--- a/doc/70-483 Manage program flow.pptx
+++ b/doc/70-483 Manage program flow.pptx
@@ -7719,12 +7719,17 @@
           <a:p>
             <a:r>
               <a:rPr lang="pl-PL" dirty="0" err="1"/>
-              <a:t>Implement</a:t>
-            </a:r>
-            <a:r>
-              <a:rPr lang="pl-PL" dirty="0"/>
-              <a:t> Data Access</a:t>
-            </a:r>
+              <a:t>Manage</a:t>
+            </a:r>
+            <a:r>
+              <a:rPr lang="pl-PL" dirty="0"/>
+              <a:t> program </a:t>
+            </a:r>
+            <a:r>
+              <a:rPr lang="pl-PL"/>
+              <a:t>flow</a:t>
+            </a:r>
+            <a:endParaRPr lang="pl-PL" dirty="0"/>
           </a:p>
         </p:txBody>
       </p:sp>
